--- a/PitchHW.pptx
+++ b/PitchHW.pptx
@@ -6511,8 +6511,8 @@
         </p:nvSpPr>
         <p:spPr>
           <a:xfrm>
-            <a:off x="3755785" y="7402048"/>
-            <a:ext cx="2628900" cy="706120"/>
+            <a:off x="4638753" y="7493297"/>
+            <a:ext cx="2308380" cy="553356"/>
           </a:xfrm>
           <a:prstGeom prst="rect">
             <a:avLst/>
@@ -6533,7 +6533,7 @@
               </a:spcBef>
             </a:pPr>
             <a:r>
-              <a:rPr sz="4450" spc="-445" dirty="0">
+              <a:rPr sz="3500" spc="-445" dirty="0">
                 <a:solidFill>
                   <a:srgbClr val="1B2042"/>
                 </a:solidFill>
@@ -6543,7 +6543,7 @@
               <a:t>P</a:t>
             </a:r>
             <a:r>
-              <a:rPr sz="4450" spc="-750" dirty="0">
+              <a:rPr sz="3500" spc="-750" dirty="0">
                 <a:solidFill>
                   <a:srgbClr val="1B2042"/>
                 </a:solidFill>
@@ -6553,7 +6553,7 @@
               <a:t>R</a:t>
             </a:r>
             <a:r>
-              <a:rPr sz="4450" spc="-575" dirty="0">
+              <a:rPr sz="3500" spc="-575" dirty="0">
                 <a:solidFill>
                   <a:srgbClr val="1B2042"/>
                 </a:solidFill>
@@ -6563,7 +6563,7 @@
               <a:t>O</a:t>
             </a:r>
             <a:r>
-              <a:rPr sz="4450" spc="-500" dirty="0">
+              <a:rPr sz="3500" spc="-500" dirty="0">
                 <a:solidFill>
                   <a:srgbClr val="1B2042"/>
                 </a:solidFill>
@@ -6573,7 +6573,7 @@
               <a:t>F</a:t>
             </a:r>
             <a:r>
-              <a:rPr sz="4450" spc="-490" dirty="0">
+              <a:rPr sz="3500" spc="-490" dirty="0">
                 <a:solidFill>
                   <a:srgbClr val="1B2042"/>
                 </a:solidFill>
@@ -6583,7 +6583,7 @@
               <a:t>E</a:t>
             </a:r>
             <a:r>
-              <a:rPr sz="4450" spc="-40" dirty="0">
+              <a:rPr sz="3500" spc="-40" dirty="0">
                 <a:solidFill>
                   <a:srgbClr val="1B2042"/>
                 </a:solidFill>
@@ -6593,7 +6593,7 @@
               <a:t>SS</a:t>
             </a:r>
             <a:r>
-              <a:rPr sz="4450" spc="-575" dirty="0">
+              <a:rPr sz="3500" spc="-575" dirty="0">
                 <a:solidFill>
                   <a:srgbClr val="1B2042"/>
                 </a:solidFill>
@@ -6603,7 +6603,7 @@
               <a:t>O</a:t>
             </a:r>
             <a:r>
-              <a:rPr sz="4450" spc="-745" dirty="0">
+              <a:rPr sz="3500" spc="-745" dirty="0">
                 <a:solidFill>
                   <a:srgbClr val="1B2042"/>
                 </a:solidFill>
@@ -6612,7 +6612,7 @@
               </a:rPr>
               <a:t>R</a:t>
             </a:r>
-            <a:endParaRPr sz="4450" dirty="0">
+            <a:endParaRPr sz="3500" dirty="0">
               <a:latin typeface="Lucida Sans"/>
               <a:cs typeface="Lucida Sans"/>
             </a:endParaRPr>
@@ -6631,7 +6631,7 @@
         </p:nvSpPr>
         <p:spPr>
           <a:xfrm>
-            <a:off x="7080208" y="3816721"/>
+            <a:off x="7338725" y="3816721"/>
             <a:ext cx="2118026" cy="699549"/>
           </a:xfrm>
           <a:prstGeom prst="rect">
@@ -6717,8 +6717,8 @@
         </p:nvSpPr>
         <p:spPr>
           <a:xfrm>
-            <a:off x="4003516" y="5143500"/>
-            <a:ext cx="2133439" cy="2120900"/>
+            <a:off x="4638753" y="5327880"/>
+            <a:ext cx="1873326" cy="1888265"/>
           </a:xfrm>
           <a:prstGeom prst="rect">
             <a:avLst/>
@@ -6746,7 +6746,7 @@
         </p:nvSpPr>
         <p:spPr>
           <a:xfrm>
-            <a:off x="6447030" y="876300"/>
+            <a:off x="6705547" y="876300"/>
             <a:ext cx="2864747" cy="2847910"/>
           </a:xfrm>
           <a:prstGeom prst="rect">
@@ -6775,8 +6775,8 @@
         </p:nvSpPr>
         <p:spPr>
           <a:xfrm>
-            <a:off x="8305800" y="7424648"/>
-            <a:ext cx="5562600" cy="683520"/>
+            <a:off x="9170348" y="7391602"/>
+            <a:ext cx="4069715" cy="655051"/>
           </a:xfrm>
           <a:prstGeom prst="rect">
             <a:avLst/>
@@ -6797,7 +6797,7 @@
               </a:spcBef>
             </a:pPr>
             <a:r>
-              <a:rPr sz="4500" spc="-484" dirty="0">
+              <a:rPr sz="3500" spc="-484" dirty="0">
                 <a:solidFill>
                   <a:srgbClr val="1B2042"/>
                 </a:solidFill>
@@ -6807,7 +6807,7 @@
               <a:t>INSTITUIÇÃO</a:t>
             </a:r>
             <a:r>
-              <a:rPr sz="4500" spc="-555" dirty="0">
+              <a:rPr sz="3500" spc="-555" dirty="0">
                 <a:solidFill>
                   <a:srgbClr val="1B2042"/>
                 </a:solidFill>
@@ -6817,7 +6817,7 @@
               <a:t> </a:t>
             </a:r>
             <a:r>
-              <a:rPr sz="4500" spc="-735" dirty="0">
+              <a:rPr sz="3500" spc="-735" dirty="0">
                 <a:solidFill>
                   <a:srgbClr val="1B2042"/>
                 </a:solidFill>
@@ -6827,7 +6827,7 @@
               <a:t>DE  </a:t>
             </a:r>
             <a:r>
-              <a:rPr sz="4500" spc="-520" dirty="0">
+              <a:rPr sz="3500" spc="-520" dirty="0">
                 <a:solidFill>
                   <a:srgbClr val="1B2042"/>
                 </a:solidFill>
@@ -6836,7 +6836,7 @@
               </a:rPr>
               <a:t>ENSINO</a:t>
             </a:r>
-            <a:endParaRPr sz="4500" dirty="0">
+            <a:endParaRPr sz="3500" dirty="0">
               <a:latin typeface="Lucida Sans"/>
               <a:cs typeface="Lucida Sans"/>
             </a:endParaRPr>
@@ -6851,8 +6851,8 @@
         </p:nvSpPr>
         <p:spPr>
           <a:xfrm>
-            <a:off x="9680452" y="5143500"/>
-            <a:ext cx="2152650" cy="2146300"/>
+            <a:off x="9967637" y="5476340"/>
+            <a:ext cx="1850902" cy="1841500"/>
           </a:xfrm>
           <a:custGeom>
             <a:avLst/>
@@ -8092,8 +8092,8 @@
         </p:nvSpPr>
         <p:spPr>
           <a:xfrm>
-            <a:off x="9984088" y="5893540"/>
-            <a:ext cx="1369060" cy="755650"/>
+            <a:off x="10271433" y="6092334"/>
+            <a:ext cx="1177152" cy="648339"/>
           </a:xfrm>
           <a:custGeom>
             <a:avLst/>
@@ -8247,8 +8247,8 @@
         </p:nvSpPr>
         <p:spPr>
           <a:xfrm>
-            <a:off x="10668365" y="5458166"/>
-            <a:ext cx="223520" cy="187960"/>
+            <a:off x="10795134" y="5576342"/>
+            <a:ext cx="192188" cy="161267"/>
           </a:xfrm>
           <a:custGeom>
             <a:avLst/>
@@ -8294,8 +8294,8 @@
         </p:nvSpPr>
         <p:spPr>
           <a:xfrm>
-            <a:off x="10528599" y="6234817"/>
-            <a:ext cx="447040" cy="498475"/>
+            <a:off x="10686700" y="6397090"/>
+            <a:ext cx="384376" cy="427686"/>
           </a:xfrm>
           <a:custGeom>
             <a:avLst/>
@@ -8366,8 +8366,8 @@
         </p:nvSpPr>
         <p:spPr>
           <a:xfrm>
-            <a:off x="10394124" y="5844841"/>
-            <a:ext cx="715645" cy="888365"/>
+            <a:off x="10589877" y="6062483"/>
+            <a:ext cx="615329" cy="762207"/>
           </a:xfrm>
           <a:custGeom>
             <a:avLst/>
@@ -8438,8 +8438,8 @@
         </p:nvSpPr>
         <p:spPr>
           <a:xfrm>
-            <a:off x="10067666" y="6255734"/>
-            <a:ext cx="1369060" cy="477520"/>
+            <a:off x="10355011" y="6415030"/>
+            <a:ext cx="1177152" cy="409707"/>
           </a:xfrm>
           <a:custGeom>
             <a:avLst/>
@@ -8530,9 +8530,9 @@
           <p:nvPr/>
         </p:nvSpPr>
         <p:spPr>
-          <a:xfrm>
-            <a:off x="10751933" y="6234817"/>
-            <a:ext cx="0" cy="498475"/>
+          <a:xfrm flipH="1">
+            <a:off x="10847369" y="6397090"/>
+            <a:ext cx="45719" cy="427686"/>
           </a:xfrm>
           <a:custGeom>
             <a:avLst/>
@@ -8573,8 +8573,8 @@
         </p:nvSpPr>
         <p:spPr>
           <a:xfrm>
-            <a:off x="10751933" y="5512192"/>
-            <a:ext cx="223520" cy="187960"/>
+            <a:off x="10878702" y="5630368"/>
+            <a:ext cx="192188" cy="161267"/>
           </a:xfrm>
           <a:custGeom>
             <a:avLst/>
@@ -8624,9 +8624,9 @@
           <p:nvPr/>
         </p:nvSpPr>
         <p:spPr>
-          <a:xfrm>
-            <a:off x="10751933" y="5479178"/>
-            <a:ext cx="0" cy="365760"/>
+          <a:xfrm flipH="1">
+            <a:off x="10847369" y="5622604"/>
+            <a:ext cx="45719" cy="313818"/>
           </a:xfrm>
           <a:custGeom>
             <a:avLst/>
@@ -8666,9 +8666,9 @@
           <p:nvPr/>
         </p:nvSpPr>
         <p:spPr>
-          <a:xfrm>
-            <a:off x="10162564" y="6417627"/>
-            <a:ext cx="131445" cy="0"/>
+          <a:xfrm flipV="1">
+            <a:off x="10276426" y="6509110"/>
+            <a:ext cx="113020" cy="45719"/>
           </a:xfrm>
           <a:custGeom>
             <a:avLst/>
@@ -8708,9 +8708,9 @@
           <p:nvPr/>
         </p:nvSpPr>
         <p:spPr>
-          <a:xfrm>
-            <a:off x="11207423" y="6417627"/>
-            <a:ext cx="131445" cy="0"/>
+          <a:xfrm flipV="1">
+            <a:off x="11321285" y="6509110"/>
+            <a:ext cx="113020" cy="45719"/>
           </a:xfrm>
           <a:custGeom>
             <a:avLst/>
@@ -8750,9 +8750,9 @@
           <p:nvPr/>
         </p:nvSpPr>
         <p:spPr>
-          <a:xfrm>
-            <a:off x="10830864" y="5991724"/>
-            <a:ext cx="131445" cy="0"/>
+          <a:xfrm flipV="1">
+            <a:off x="10944726" y="6083207"/>
+            <a:ext cx="113020" cy="45719"/>
           </a:xfrm>
           <a:custGeom>
             <a:avLst/>
@@ -8792,9 +8792,9 @@
           <p:nvPr/>
         </p:nvSpPr>
         <p:spPr>
-          <a:xfrm>
-            <a:off x="10541955" y="5991724"/>
-            <a:ext cx="131445" cy="0"/>
+          <a:xfrm flipV="1">
+            <a:off x="10655817" y="6083207"/>
+            <a:ext cx="113020" cy="45719"/>
           </a:xfrm>
           <a:custGeom>
             <a:avLst/>
@@ -8834,9 +8834,9 @@
           <p:nvPr/>
         </p:nvSpPr>
         <p:spPr>
-          <a:xfrm>
-            <a:off x="10668365" y="6417627"/>
-            <a:ext cx="0" cy="25400"/>
+          <a:xfrm flipH="1">
+            <a:off x="10763801" y="6488792"/>
+            <a:ext cx="45719" cy="45719"/>
           </a:xfrm>
           <a:custGeom>
             <a:avLst/>
@@ -8876,9 +8876,9 @@
           <p:nvPr/>
         </p:nvSpPr>
         <p:spPr>
-          <a:xfrm>
-            <a:off x="10837215" y="6417627"/>
-            <a:ext cx="0" cy="25400"/>
+          <a:xfrm flipH="1">
+            <a:off x="10932651" y="6488792"/>
+            <a:ext cx="45719" cy="45719"/>
           </a:xfrm>
           <a:custGeom>
             <a:avLst/>
@@ -52725,7 +52725,7 @@
               </a:spcBef>
             </a:pPr>
             <a:r>
-              <a:rPr sz="2800" b="1" u="sng" spc="25" dirty="0" err="1">
+              <a:rPr lang="pt-BR" sz="2800" b="1" u="sng" spc="25" dirty="0">
                 <a:solidFill>
                   <a:srgbClr val="FFFFFF"/>
                 </a:solidFill>
@@ -52752,27 +52752,7 @@
                 <a:latin typeface="Glacial Indifference" pitchFamily="50" charset="0"/>
                 <a:cs typeface="Trebuchet MS"/>
               </a:rPr>
-              <a:t>de mais um professor (</a:t>
-            </a:r>
-            <a:r>
-              <a:rPr lang="pt-BR" sz="2800" spc="-80" dirty="0" err="1">
-                <a:solidFill>
-                  <a:srgbClr val="FFFFFF"/>
-                </a:solidFill>
-                <a:latin typeface="Glacial Indifference" pitchFamily="50" charset="0"/>
-                <a:cs typeface="Trebuchet MS"/>
-              </a:rPr>
-              <a:t>extra-aula</a:t>
-            </a:r>
-            <a:r>
-              <a:rPr lang="pt-BR" sz="2800" spc="-80" dirty="0">
-                <a:solidFill>
-                  <a:srgbClr val="FFFFFF"/>
-                </a:solidFill>
-                <a:latin typeface="Glacial Indifference" pitchFamily="50" charset="0"/>
-                <a:cs typeface="Trebuchet MS"/>
-              </a:rPr>
-              <a:t>)</a:t>
+              <a:t>de mais um professor (extra aula)</a:t>
             </a:r>
             <a:endParaRPr sz="2800" dirty="0">
               <a:latin typeface="Glacial Indifference" pitchFamily="50" charset="0"/>
@@ -54046,7 +54026,7 @@
                 <a:latin typeface="Glacial Indifference" pitchFamily="50" charset="0"/>
                 <a:cs typeface="Trebuchet MS"/>
               </a:rPr>
-              <a:t>Falta de tempo de professores</a:t>
+              <a:t>Falta de tempo dos professores</a:t>
             </a:r>
             <a:r>
               <a:rPr lang="pt-BR" sz="2800" spc="25" dirty="0">
@@ -55141,8 +55121,8 @@
         </p:nvSpPr>
         <p:spPr>
           <a:xfrm>
-            <a:off x="1219200" y="3770111"/>
-            <a:ext cx="11127349" cy="3230372"/>
+            <a:off x="838200" y="3771900"/>
+            <a:ext cx="11963400" cy="3230372"/>
           </a:xfrm>
           <a:prstGeom prst="rect">
             <a:avLst/>
@@ -55178,7 +55158,20 @@
                 <a:latin typeface="Glacial Indifference" pitchFamily="50" charset="0"/>
                 <a:cs typeface="Lucida Sans"/>
               </a:rPr>
-              <a:t>O  TAMANHO DO MERCADO </a:t>
+              <a:t>O   T A M A N H O   </a:t>
+            </a:r>
+            <a:br>
+              <a:rPr lang="pt-BR" sz="10450" b="1" spc="-1345" dirty="0">
+                <a:latin typeface="Glacial Indifference" pitchFamily="50" charset="0"/>
+                <a:cs typeface="Lucida Sans"/>
+              </a:rPr>
+            </a:br>
+            <a:r>
+              <a:rPr lang="pt-BR" sz="10450" b="1" spc="-1345" dirty="0">
+                <a:latin typeface="Glacial Indifference" pitchFamily="50" charset="0"/>
+                <a:cs typeface="Lucida Sans"/>
+              </a:rPr>
+              <a:t>D O   M E R C A D O </a:t>
             </a:r>
             <a:r>
               <a:rPr sz="10450" b="1" spc="-330" dirty="0">
@@ -55236,7 +55229,7 @@
         </p:nvSpPr>
         <p:spPr>
           <a:xfrm>
-            <a:off x="5562600" y="1642345"/>
+            <a:off x="5715000" y="495300"/>
             <a:ext cx="12268200" cy="1738296"/>
           </a:xfrm>
           <a:prstGeom prst="rect">
@@ -55251,15 +55244,7 @@
           <a:p>
             <a:r>
               <a:rPr lang="pt-BR" sz="2800" b="1" i="1" dirty="0"/>
-              <a:t>“</a:t>
-            </a:r>
-            <a:r>
-              <a:rPr lang="pt-BR" sz="2800" b="1" i="1" dirty="0" err="1"/>
-              <a:t>Chatbots</a:t>
-            </a:r>
-            <a:r>
-              <a:rPr lang="pt-BR" sz="2800" b="1" i="1" dirty="0"/>
-              <a:t> movimentarão mais de US$ 47 bilhões até 2020 e estão na mira de empresas brasileiras”</a:t>
+              <a:t>“Chatbots movimentarão mais de US$ 47 bilhões até 2020 e estão na mira de empresas brasileiras”</a:t>
             </a:r>
             <a:br>
               <a:rPr lang="pt-BR" sz="2800" b="1" dirty="0"/>
@@ -55295,8 +55280,8 @@
         </p:nvSpPr>
         <p:spPr>
           <a:xfrm>
-            <a:off x="656880" y="3712980"/>
-            <a:ext cx="17173921" cy="1307409"/>
+            <a:off x="5715001" y="2330835"/>
+            <a:ext cx="12015960" cy="1738296"/>
           </a:xfrm>
           <a:prstGeom prst="rect">
             <a:avLst/>
@@ -55325,15 +55310,7 @@
             </a:r>
             <a:r>
               <a:rPr lang="pt-BR" sz="2800" b="1" i="1" dirty="0"/>
-              <a:t>Mercado de US$ 1,2 bilhão, </a:t>
-            </a:r>
-            <a:r>
-              <a:rPr lang="pt-BR" sz="2800" b="1" i="1" dirty="0" err="1"/>
-              <a:t>chatbots</a:t>
-            </a:r>
-            <a:r>
-              <a:rPr lang="pt-BR" sz="2800" b="1" i="1" dirty="0"/>
-              <a:t> devem alavancar conteúdo interativo, diz especialista</a:t>
+              <a:t>Mercado de US$ 1,2 bilhão, chatbots devem alavancar conteúdo interativo, diz especialista</a:t>
             </a:r>
             <a:r>
               <a:rPr lang="pt-BR" sz="2800" b="1" i="1" kern="0" dirty="0"/>
@@ -55373,7 +55350,7 @@
         </p:nvSpPr>
         <p:spPr>
           <a:xfrm>
-            <a:off x="656879" y="5376540"/>
+            <a:off x="656879" y="4166370"/>
             <a:ext cx="17173921" cy="1738296"/>
           </a:xfrm>
           <a:prstGeom prst="rect">
@@ -55403,15 +55380,7 @@
             </a:r>
             <a:r>
               <a:rPr lang="pt-BR" sz="2800" b="1" i="1" dirty="0"/>
-              <a:t>no Brasil, em 2018 este mercado teve alta de 27%, com elevação de 60% no número de mensagens trocadas via </a:t>
-            </a:r>
-            <a:r>
-              <a:rPr lang="pt-BR" sz="2800" b="1" i="1" dirty="0" err="1"/>
-              <a:t>chatbots</a:t>
-            </a:r>
-            <a:r>
-              <a:rPr lang="pt-BR" sz="2800" b="1" i="1" dirty="0"/>
-              <a:t>, que passaram de 500 milhões em 2017 para 800 milhões no ano passado”</a:t>
+              <a:t>no Brasil, em 2018 este mercado teve alta de 27%, com elevação de 60% no número de mensagens trocadas via chatbots, que passaram de 500 milhões em 2017 para 800 milhões no ano passado”</a:t>
             </a:r>
           </a:p>
           <a:p>
@@ -55446,7 +55415,7 @@
         </p:nvSpPr>
         <p:spPr>
           <a:xfrm>
-            <a:off x="656879" y="7470987"/>
+            <a:off x="656879" y="6001905"/>
             <a:ext cx="17173921" cy="1307409"/>
           </a:xfrm>
           <a:prstGeom prst="rect">
@@ -55482,14 +55451,66 @@
           </a:p>
           <a:p>
             <a:r>
-              <a:rPr lang="pt-BR" sz="2000" b="1" kern="0" spc="215" dirty="0" err="1">
+              <a:rPr lang="pt-BR" sz="2000" b="1" kern="0" spc="215" dirty="0">
                 <a:solidFill>
                   <a:srgbClr val="F5FAF9"/>
                 </a:solidFill>
                 <a:latin typeface="Glacial Indifference" pitchFamily="50" charset="0"/>
               </a:rPr>
-              <a:t>MarketWatch</a:t>
+              <a:t>MarketWatch - 2018</a:t>
             </a:r>
+            <a:endParaRPr lang="pt-BR" sz="2000" b="1" kern="0" dirty="0">
+              <a:latin typeface="Glacial Indifference" pitchFamily="50" charset="0"/>
+            </a:endParaRPr>
+          </a:p>
+        </p:txBody>
+      </p:sp>
+      <p:sp>
+        <p:nvSpPr>
+          <p:cNvPr id="7" name="object 2">
+            <a:extLst>
+              <a:ext uri="{FF2B5EF4-FFF2-40B4-BE49-F238E27FC236}">
+                <a16:creationId xmlns:a16="http://schemas.microsoft.com/office/drawing/2014/main" id="{AA94D82D-B19D-4087-A060-9E350BFC0C77}"/>
+              </a:ext>
+            </a:extLst>
+          </p:cNvPr>
+          <p:cNvSpPr txBox="1">
+            <a:spLocks/>
+          </p:cNvSpPr>
+          <p:nvPr/>
+        </p:nvSpPr>
+        <p:spPr>
+          <a:xfrm>
+            <a:off x="656878" y="7406553"/>
+            <a:ext cx="17173921" cy="1738296"/>
+          </a:xfrm>
+          <a:prstGeom prst="rect">
+            <a:avLst/>
+          </a:prstGeom>
+        </p:spPr>
+        <p:txBody>
+          <a:bodyPr vert="horz" wrap="square" lIns="0" tIns="563245" rIns="0" bIns="0" rtlCol="0">
+            <a:spAutoFit/>
+          </a:bodyPr>
+          <a:lstStyle>
+            <a:lvl1pPr>
+              <a:defRPr sz="10400" b="0" i="0">
+                <a:solidFill>
+                  <a:srgbClr val="2E5872"/>
+                </a:solidFill>
+                <a:latin typeface="Trebuchet MS"/>
+                <a:ea typeface="+mj-ea"/>
+                <a:cs typeface="Trebuchet MS"/>
+              </a:defRPr>
+            </a:lvl1pPr>
+          </a:lstStyle>
+          <a:p>
+            <a:r>
+              <a:rPr lang="en-US" sz="2800" b="1" i="1" dirty="0"/>
+              <a:t>“Chatbot Market To Reach USD 10.08 Billion By 2026 - Chatbot Market Size – USD 1.17 Billion in 2018, Market Growth - CAGR of 30.9%”</a:t>
+            </a:r>
+          </a:p>
+          <a:p>
             <a:r>
               <a:rPr lang="pt-BR" sz="2000" b="1" kern="0" spc="215" dirty="0">
                 <a:solidFill>
@@ -55497,7 +55518,7 @@
                 </a:solidFill>
                 <a:latin typeface="Glacial Indifference" pitchFamily="50" charset="0"/>
               </a:rPr>
-              <a:t> - 2018</a:t>
+              <a:t>Reports and Data - 2019</a:t>
             </a:r>
             <a:endParaRPr lang="pt-BR" sz="2000" b="1" kern="0" dirty="0">
               <a:latin typeface="Glacial Indifference" pitchFamily="50" charset="0"/>
@@ -56647,7 +56668,7 @@
               </a:lnSpc>
             </a:pPr>
             <a:r>
-              <a:rPr sz="10450" b="1" spc="790" dirty="0">
+              <a:rPr lang="pt-BR" sz="10450" b="1" spc="790" dirty="0">
                 <a:latin typeface="Glacial Indifference" pitchFamily="50" charset="0"/>
                 <a:cs typeface="Lucida Sans"/>
               </a:rPr>
